--- a/06AlgoData/02MoE/11MOECode.pptx
+++ b/06AlgoData/02MoE/11MOECode.pptx
@@ -9,25 +9,23 @@
     <p:sldMasterId id="2147483683" r:id="rId5"/>
   </p:sldMasterIdLst>
   <p:notesMasterIdLst>
-    <p:notesMasterId r:id="rId19"/>
+    <p:notesMasterId r:id="rId17"/>
   </p:notesMasterIdLst>
   <p:handoutMasterIdLst>
-    <p:handoutMasterId r:id="rId20"/>
+    <p:handoutMasterId r:id="rId18"/>
   </p:handoutMasterIdLst>
   <p:sldIdLst>
     <p:sldId id="603" r:id="rId6"/>
     <p:sldId id="2464" r:id="rId7"/>
     <p:sldId id="2465" r:id="rId8"/>
     <p:sldId id="259" r:id="rId9"/>
-    <p:sldId id="2497" r:id="rId10"/>
+    <p:sldId id="2510" r:id="rId10"/>
     <p:sldId id="2468" r:id="rId11"/>
-    <p:sldId id="2509" r:id="rId12"/>
+    <p:sldId id="2511" r:id="rId12"/>
     <p:sldId id="2469" r:id="rId13"/>
-    <p:sldId id="2453" r:id="rId14"/>
-    <p:sldId id="2441" r:id="rId15"/>
-    <p:sldId id="2507" r:id="rId16"/>
-    <p:sldId id="582" r:id="rId17"/>
-    <p:sldId id="2419" r:id="rId18"/>
+    <p:sldId id="2512" r:id="rId14"/>
+    <p:sldId id="582" r:id="rId15"/>
+    <p:sldId id="2419" r:id="rId16"/>
   </p:sldIdLst>
   <p:sldSz cx="12196763" cy="6858000"/>
   <p:notesSz cx="6858000" cy="9144000"/>
@@ -231,7 +229,7 @@
           <a:p>
             <a:fld id="{E8CF71B8-DF2A-2E41-BE66-2E18A767DA8A}" type="datetimeFigureOut">
               <a:rPr lang="en-US" smtClean="0"/>
-              <a:t>3/2/25</a:t>
+              <a:t>3/8/25</a:t>
             </a:fld>
             <a:endParaRPr lang="en-US"/>
           </a:p>
@@ -408,7 +406,7 @@
           <a:p>
             <a:fld id="{0DD60A27-BF12-6744-9E93-932A0E34D8BB}" type="datetimeFigureOut">
               <a:rPr lang="en-US" smtClean="0"/>
-              <a:t>3/2/25</a:t>
+              <a:t>3/8/25</a:t>
             </a:fld>
             <a:endParaRPr lang="en-US"/>
           </a:p>
@@ -1002,90 +1000,6 @@
     <p:extLst>
       <p:ext uri="{BB962C8B-B14F-4D97-AF65-F5344CB8AC3E}">
         <p14:creationId xmlns:p14="http://schemas.microsoft.com/office/powerpoint/2010/main" val="2611680697"/>
-      </p:ext>
-    </p:extLst>
-  </p:cSld>
-  <p:clrMapOvr>
-    <a:masterClrMapping/>
-  </p:clrMapOvr>
-</p:notes>
-</file>
-
-<file path=ppt/notesSlides/notesSlide5.xml><?xml version="1.0" encoding="utf-8"?>
-<p:notes xmlns:a="http://schemas.openxmlformats.org/drawingml/2006/main" xmlns:r="http://schemas.openxmlformats.org/officeDocument/2006/relationships" xmlns:p="http://schemas.openxmlformats.org/presentationml/2006/main">
-  <p:cSld>
-    <p:spTree>
-      <p:nvGrpSpPr>
-        <p:cNvPr id="1" name=""/>
-        <p:cNvGrpSpPr/>
-        <p:nvPr/>
-      </p:nvGrpSpPr>
-      <p:grpSpPr>
-        <a:xfrm>
-          <a:off x="0" y="0"/>
-          <a:ext cx="0" cy="0"/>
-          <a:chOff x="0" y="0"/>
-          <a:chExt cx="0" cy="0"/>
-        </a:xfrm>
-      </p:grpSpPr>
-      <p:sp>
-        <p:nvSpPr>
-          <p:cNvPr id="2" name="幻灯片图像占位符 1"/>
-          <p:cNvSpPr>
-            <a:spLocks noGrp="1" noRot="1" noChangeAspect="1"/>
-          </p:cNvSpPr>
-          <p:nvPr>
-            <p:ph type="sldImg"/>
-          </p:nvPr>
-        </p:nvSpPr>
-        <p:spPr/>
-      </p:sp>
-      <p:sp>
-        <p:nvSpPr>
-          <p:cNvPr id="3" name="备注占位符 2"/>
-          <p:cNvSpPr>
-            <a:spLocks noGrp="1"/>
-          </p:cNvSpPr>
-          <p:nvPr>
-            <p:ph type="body" idx="1"/>
-          </p:nvPr>
-        </p:nvSpPr>
-        <p:spPr/>
-        <p:txBody>
-          <a:bodyPr/>
-          <a:lstStyle/>
-          <a:p>
-            <a:endParaRPr kumimoji="1" lang="zh-CN" altLang="en-US" dirty="0"/>
-          </a:p>
-        </p:txBody>
-      </p:sp>
-      <p:sp>
-        <p:nvSpPr>
-          <p:cNvPr id="4" name="灯片编号占位符 3"/>
-          <p:cNvSpPr>
-            <a:spLocks noGrp="1"/>
-          </p:cNvSpPr>
-          <p:nvPr>
-            <p:ph type="sldNum" sz="quarter" idx="5"/>
-          </p:nvPr>
-        </p:nvSpPr>
-        <p:spPr/>
-        <p:txBody>
-          <a:bodyPr/>
-          <a:lstStyle/>
-          <a:p>
-            <a:fld id="{17021A3A-000B-724D-82E6-58165F25070D}" type="slidenum">
-              <a:rPr kumimoji="1" lang="zh-CN" altLang="en-US" smtClean="0"/>
-              <a:t>10</a:t>
-            </a:fld>
-            <a:endParaRPr kumimoji="1" lang="zh-CN" altLang="en-US"/>
-          </a:p>
-        </p:txBody>
-      </p:sp>
-    </p:spTree>
-    <p:extLst>
-      <p:ext uri="{BB962C8B-B14F-4D97-AF65-F5344CB8AC3E}">
-        <p14:creationId xmlns:p14="http://schemas.microsoft.com/office/powerpoint/2010/main" val="1304582115"/>
       </p:ext>
     </p:extLst>
   </p:cSld>
@@ -32416,257 +32330,6 @@
           <a:chExt cx="0" cy="0"/>
         </a:xfrm>
       </p:grpSpPr>
-      <p:sp>
-        <p:nvSpPr>
-          <p:cNvPr id="5" name="内容占位符 4">
-            <a:extLst>
-              <a:ext uri="{FF2B5EF4-FFF2-40B4-BE49-F238E27FC236}">
-                <a16:creationId xmlns:a16="http://schemas.microsoft.com/office/drawing/2014/main" id="{D04938AF-B47A-1764-AB7F-5185CDB78730}"/>
-              </a:ext>
-            </a:extLst>
-          </p:cNvPr>
-          <p:cNvSpPr>
-            <a:spLocks noGrp="1"/>
-          </p:cNvSpPr>
-          <p:nvPr>
-            <p:ph sz="half" idx="1"/>
-          </p:nvPr>
-        </p:nvSpPr>
-        <p:spPr>
-          <a:xfrm>
-            <a:off x="481757" y="2406869"/>
-            <a:ext cx="11161240" cy="3603651"/>
-          </a:xfrm>
-        </p:spPr>
-        <p:txBody>
-          <a:bodyPr/>
-          <a:lstStyle/>
-          <a:p>
-            <a:r>
-              <a:rPr lang="zh-CN" altLang="en-US" dirty="0"/>
-              <a:t>思考与小结</a:t>
-            </a:r>
-            <a:endParaRPr lang="en-US" altLang="zh-CN" dirty="0"/>
-          </a:p>
-        </p:txBody>
-      </p:sp>
-    </p:spTree>
-    <p:extLst>
-      <p:ext uri="{BB962C8B-B14F-4D97-AF65-F5344CB8AC3E}">
-        <p14:creationId xmlns:p14="http://schemas.microsoft.com/office/powerpoint/2010/main" val="797963781"/>
-      </p:ext>
-    </p:extLst>
-  </p:cSld>
-  <p:clrMapOvr>
-    <a:masterClrMapping/>
-  </p:clrMapOvr>
-</p:sld>
-</file>
-
-<file path=ppt/slides/slide11.xml><?xml version="1.0" encoding="utf-8"?>
-<p:sld xmlns:a="http://schemas.openxmlformats.org/drawingml/2006/main" xmlns:r="http://schemas.openxmlformats.org/officeDocument/2006/relationships" xmlns:p="http://schemas.openxmlformats.org/presentationml/2006/main">
-  <p:cSld>
-    <p:spTree>
-      <p:nvGrpSpPr>
-        <p:cNvPr id="1" name=""/>
-        <p:cNvGrpSpPr/>
-        <p:nvPr/>
-      </p:nvGrpSpPr>
-      <p:grpSpPr>
-        <a:xfrm>
-          <a:off x="0" y="0"/>
-          <a:ext cx="0" cy="0"/>
-          <a:chOff x="0" y="0"/>
-          <a:chExt cx="0" cy="0"/>
-        </a:xfrm>
-      </p:grpSpPr>
-      <p:sp>
-        <p:nvSpPr>
-          <p:cNvPr id="2" name="标题 1">
-            <a:extLst>
-              <a:ext uri="{FF2B5EF4-FFF2-40B4-BE49-F238E27FC236}">
-                <a16:creationId xmlns:a16="http://schemas.microsoft.com/office/drawing/2014/main" id="{7ECFA174-8D22-C9FE-E12F-AA2F4C1DFEBE}"/>
-              </a:ext>
-            </a:extLst>
-          </p:cNvPr>
-          <p:cNvSpPr>
-            <a:spLocks noGrp="1"/>
-          </p:cNvSpPr>
-          <p:nvPr>
-            <p:ph type="title"/>
-          </p:nvPr>
-        </p:nvSpPr>
-        <p:spPr>
-          <a:xfrm>
-            <a:off x="623635" y="522789"/>
-            <a:ext cx="10963473" cy="589190"/>
-          </a:xfrm>
-        </p:spPr>
-        <p:txBody>
-          <a:bodyPr/>
-          <a:lstStyle/>
-          <a:p>
-            <a:r>
-              <a:rPr lang="zh-CN" altLang="en-US" dirty="0"/>
-              <a:t>当前趋势：小参数多专家 </a:t>
-            </a:r>
-            <a:r>
-              <a:rPr lang="en-US" altLang="zh-CN" dirty="0"/>
-              <a:t>Pro</a:t>
-            </a:r>
-            <a:r>
-              <a:rPr lang="zh-CN" altLang="en-US" dirty="0"/>
-              <a:t> </a:t>
-            </a:r>
-          </a:p>
-        </p:txBody>
-      </p:sp>
-      <p:sp>
-        <p:nvSpPr>
-          <p:cNvPr id="4" name="内容占位符 3">
-            <a:extLst>
-              <a:ext uri="{FF2B5EF4-FFF2-40B4-BE49-F238E27FC236}">
-                <a16:creationId xmlns:a16="http://schemas.microsoft.com/office/drawing/2014/main" id="{B78797CA-D500-0088-A428-249F4A173496}"/>
-              </a:ext>
-            </a:extLst>
-          </p:cNvPr>
-          <p:cNvSpPr>
-            <a:spLocks noGrp="1"/>
-          </p:cNvSpPr>
-          <p:nvPr>
-            <p:ph sz="half" idx="1"/>
-          </p:nvPr>
-        </p:nvSpPr>
-        <p:spPr>
-          <a:xfrm>
-            <a:off x="623635" y="1246909"/>
-            <a:ext cx="10963473" cy="5108171"/>
-          </a:xfrm>
-        </p:spPr>
-        <p:txBody>
-          <a:bodyPr/>
-          <a:lstStyle/>
-          <a:p>
-            <a:r>
-              <a:rPr lang="zh-CN" altLang="en-US" b="1" dirty="0"/>
-              <a:t>计算效率更高：</a:t>
-            </a:r>
-            <a:r>
-              <a:rPr lang="zh-CN" altLang="en-US" dirty="0"/>
-              <a:t>小参数多专家减少每次推理计算量，同时通过动态路由优化了专家负载均衡。</a:t>
-            </a:r>
-          </a:p>
-          <a:p>
-            <a:r>
-              <a:rPr lang="zh-CN" altLang="en-US" b="1" dirty="0"/>
-              <a:t>扩展性更强：</a:t>
-            </a:r>
-            <a:r>
-              <a:rPr lang="zh-CN" altLang="en-US" dirty="0"/>
-              <a:t>更多专家可以覆盖更广泛任务和数据特征，提升模型的泛化能力和专业化水平。</a:t>
-            </a:r>
-          </a:p>
-          <a:p>
-            <a:r>
-              <a:rPr lang="zh-CN" altLang="en-US" b="1" dirty="0"/>
-              <a:t>部署成本更低：</a:t>
-            </a:r>
-            <a:r>
-              <a:rPr lang="zh-CN" altLang="en-US" dirty="0"/>
-              <a:t>小参数专家设计降低了内存和显存需求，适合在资源有限的环境中部署。</a:t>
-            </a:r>
-          </a:p>
-        </p:txBody>
-      </p:sp>
-      <p:pic>
-        <p:nvPicPr>
-          <p:cNvPr id="8" name="Picture 2" descr="思考表情包图片-思考表情包模板下载-包图网">
-            <a:extLst>
-              <a:ext uri="{FF2B5EF4-FFF2-40B4-BE49-F238E27FC236}">
-                <a16:creationId xmlns:a16="http://schemas.microsoft.com/office/drawing/2014/main" id="{62D2370A-67AD-2016-3EC3-BF877B9BB893}"/>
-              </a:ext>
-            </a:extLst>
-          </p:cNvPr>
-          <p:cNvPicPr>
-            <a:picLocks noChangeAspect="1" noChangeArrowheads="1"/>
-          </p:cNvPicPr>
-          <p:nvPr/>
-        </p:nvPicPr>
-        <p:blipFill>
-          <a:blip r:embed="rId2">
-            <a:extLst>
-              <a:ext uri="{28A0092B-C50C-407E-A947-70E740481C1C}">
-                <a14:useLocalDpi xmlns:a14="http://schemas.microsoft.com/office/drawing/2010/main"/>
-              </a:ext>
-            </a:extLst>
-          </a:blip>
-          <a:srcRect/>
-          <a:stretch>
-            <a:fillRect/>
-          </a:stretch>
-        </p:blipFill>
-        <p:spPr bwMode="auto">
-          <a:xfrm>
-            <a:off x="9287838" y="3963343"/>
-            <a:ext cx="2299270" cy="2299270"/>
-          </a:xfrm>
-          <a:prstGeom prst="rect">
-            <a:avLst/>
-          </a:prstGeom>
-          <a:noFill/>
-          <a:extLst>
-            <a:ext uri="{909E8E84-426E-40DD-AFC4-6F175D3DCCD1}">
-              <a14:hiddenFill xmlns:a14="http://schemas.microsoft.com/office/drawing/2010/main">
-                <a:solidFill>
-                  <a:srgbClr val="FFFFFF"/>
-                </a:solidFill>
-              </a14:hiddenFill>
-            </a:ext>
-          </a:extLst>
-        </p:spPr>
-      </p:pic>
-    </p:spTree>
-    <p:extLst>
-      <p:ext uri="{BB962C8B-B14F-4D97-AF65-F5344CB8AC3E}">
-        <p14:creationId xmlns:p14="http://schemas.microsoft.com/office/powerpoint/2010/main" val="1537759143"/>
-      </p:ext>
-    </p:extLst>
-  </p:cSld>
-  <p:clrMapOvr>
-    <a:masterClrMapping/>
-  </p:clrMapOvr>
-  <mc:AlternateContent xmlns:mc="http://schemas.openxmlformats.org/markup-compatibility/2006" xmlns:p159="http://schemas.microsoft.com/office/powerpoint/2015/09/main">
-    <mc:Choice Requires="p159">
-      <p:transition xmlns:p14="http://schemas.microsoft.com/office/powerpoint/2010/main" spd="slow" p14:dur="2000">
-        <p159:morph option="byObject"/>
-      </p:transition>
-    </mc:Choice>
-    <mc:Fallback xmlns="">
-      <p:transition spd="slow">
-        <p:fade/>
-      </p:transition>
-    </mc:Fallback>
-  </mc:AlternateContent>
-</p:sld>
-</file>
-
-<file path=ppt/slides/slide12.xml><?xml version="1.0" encoding="utf-8"?>
-<p:sld xmlns:a="http://schemas.openxmlformats.org/drawingml/2006/main" xmlns:r="http://schemas.openxmlformats.org/officeDocument/2006/relationships" xmlns:p="http://schemas.openxmlformats.org/presentationml/2006/main">
-  <p:cSld>
-    <p:spTree>
-      <p:nvGrpSpPr>
-        <p:cNvPr id="1" name=""/>
-        <p:cNvGrpSpPr/>
-        <p:nvPr/>
-      </p:nvGrpSpPr>
-      <p:grpSpPr>
-        <a:xfrm>
-          <a:off x="0" y="0"/>
-          <a:ext cx="0" cy="0"/>
-          <a:chOff x="0" y="0"/>
-          <a:chExt cx="0" cy="0"/>
-        </a:xfrm>
-      </p:grpSpPr>
     </p:spTree>
     <p:extLst>
       <p:ext uri="{BB962C8B-B14F-4D97-AF65-F5344CB8AC3E}">
@@ -32692,7 +32355,7 @@
 </p:sld>
 </file>
 
-<file path=ppt/slides/slide13.xml><?xml version="1.0" encoding="utf-8"?>
+<file path=ppt/slides/slide11.xml><?xml version="1.0" encoding="utf-8"?>
 <p:sld xmlns:a="http://schemas.openxmlformats.org/drawingml/2006/main" xmlns:r="http://schemas.openxmlformats.org/officeDocument/2006/relationships" xmlns:p="http://schemas.openxmlformats.org/presentationml/2006/main">
   <p:cSld>
     <p:spTree>
@@ -33206,17 +32869,12 @@
             </a:pPr>
             <a:r>
               <a:rPr lang="zh-CN" altLang="en-US" sz="2800" dirty="0"/>
-              <a:t>什么是</a:t>
+              <a:t>单卡版</a:t>
             </a:r>
             <a:r>
               <a:rPr lang="en-US" altLang="zh-CN" sz="2800" dirty="0"/>
               <a:t> MoE</a:t>
             </a:r>
-            <a:r>
-              <a:rPr lang="zh-CN" altLang="en-US" sz="2800" dirty="0"/>
-              <a:t> 混合专家模型？</a:t>
-            </a:r>
-            <a:endParaRPr lang="en-US" altLang="zh-CN" sz="2800" dirty="0"/>
           </a:p>
           <a:p>
             <a:pPr marL="457200" indent="-457200" algn="l">
@@ -33224,14 +32882,13 @@
               <a:buAutoNum type="arabicPeriod"/>
             </a:pPr>
             <a:r>
+              <a:rPr lang="zh-CN" altLang="en-US" sz="2800" dirty="0"/>
+              <a:t>单机八卡版 </a:t>
+            </a:r>
+            <a:r>
               <a:rPr lang="en-US" altLang="zh-CN" sz="2800" dirty="0"/>
               <a:t>MoE</a:t>
             </a:r>
-            <a:r>
-              <a:rPr lang="zh-CN" altLang="en-US" sz="2800" dirty="0"/>
-              <a:t> 混合专家模型简史</a:t>
-            </a:r>
-            <a:endParaRPr lang="en-US" altLang="zh-CN" sz="2800" dirty="0"/>
           </a:p>
           <a:p>
             <a:pPr marL="457200" indent="-457200" algn="l">
@@ -33240,22 +32897,11 @@
             </a:pPr>
             <a:r>
               <a:rPr lang="en-US" altLang="zh-CN" sz="2800" dirty="0"/>
-              <a:t>MoE</a:t>
+              <a:t>Profiling</a:t>
             </a:r>
             <a:r>
               <a:rPr lang="zh-CN" altLang="en-US" sz="2800" dirty="0"/>
-              <a:t> 混合专家对训练的影响？</a:t>
-            </a:r>
-            <a:endParaRPr lang="en-US" altLang="zh-CN" sz="2800" dirty="0"/>
-          </a:p>
-          <a:p>
-            <a:pPr marL="457200" indent="-457200" algn="l">
-              <a:buFont typeface="+mj-lt"/>
-              <a:buAutoNum type="arabicPeriod"/>
-            </a:pPr>
-            <a:r>
-              <a:rPr lang="zh-CN" altLang="en-US" sz="2800" dirty="0"/>
-              <a:t>让 </a:t>
+              <a:t> </a:t>
             </a:r>
             <a:r>
               <a:rPr lang="en-US" altLang="zh-CN" sz="2800" dirty="0"/>
@@ -33263,18 +32909,15 @@
             </a:r>
             <a:r>
               <a:rPr lang="zh-CN" altLang="en-US" sz="2800" dirty="0"/>
-              <a:t> 训练和推理起飞！</a:t>
-            </a:r>
-            <a:endParaRPr lang="en-US" altLang="zh-CN" sz="2800" dirty="0"/>
-          </a:p>
-          <a:p>
-            <a:pPr marL="457200" indent="-457200" algn="l">
-              <a:buFont typeface="+mj-lt"/>
-              <a:buAutoNum type="arabicPeriod"/>
-            </a:pPr>
+              <a:t> 看计算 </a:t>
+            </a:r>
+            <a:r>
+              <a:rPr lang="en-US" altLang="zh-CN" sz="2800" dirty="0"/>
+              <a:t>&amp;</a:t>
+            </a:r>
             <a:r>
               <a:rPr lang="zh-CN" altLang="en-US" sz="2800" dirty="0"/>
-              <a:t>对产业的思考与小结</a:t>
+              <a:t> 通信耗时</a:t>
             </a:r>
             <a:endParaRPr lang="en-US" altLang="zh-CN" sz="2800" dirty="0"/>
           </a:p>
@@ -33616,12 +33259,20 @@
           <a:p>
             <a:pPr algn="ctr"/>
             <a:r>
+              <a:rPr lang="zh-CN" altLang="en-US" sz="9600" b="1" dirty="0">
+                <a:solidFill>
+                  <a:schemeClr val="bg1"/>
+                </a:solidFill>
+              </a:rPr>
+              <a:t>单卡版 </a:t>
+            </a:r>
+            <a:r>
               <a:rPr lang="en-US" altLang="zh-CN" sz="9600" b="1" dirty="0">
                 <a:solidFill>
                   <a:schemeClr val="bg1"/>
                 </a:solidFill>
               </a:rPr>
-              <a:t>Mistral</a:t>
+              <a:t>MoE</a:t>
             </a:r>
             <a:r>
               <a:rPr lang="zh-CN" altLang="en-US" sz="9600" b="1" dirty="0">
@@ -33629,16 +33280,13 @@
                   <a:schemeClr val="bg1"/>
                 </a:solidFill>
               </a:rPr>
-              <a:t> </a:t>
-            </a:r>
-            <a:r>
-              <a:rPr lang="en-US" altLang="zh-CN" sz="9600" b="1" dirty="0">
-                <a:solidFill>
-                  <a:schemeClr val="bg1"/>
-                </a:solidFill>
-              </a:rPr>
-              <a:t>AI</a:t>
-            </a:r>
+              <a:t> 实现</a:t>
+            </a:r>
+            <a:endParaRPr lang="en-US" altLang="zh-CN" sz="9600" b="1" dirty="0">
+              <a:solidFill>
+                <a:schemeClr val="bg1"/>
+              </a:solidFill>
+            </a:endParaRPr>
           </a:p>
         </p:txBody>
       </p:sp>
@@ -33674,10 +33322,10 @@
       </p:grpSpPr>
       <p:sp>
         <p:nvSpPr>
-          <p:cNvPr id="7" name="标题 6">
+          <p:cNvPr id="2" name="标题 1">
             <a:extLst>
               <a:ext uri="{FF2B5EF4-FFF2-40B4-BE49-F238E27FC236}">
-                <a16:creationId xmlns:a16="http://schemas.microsoft.com/office/drawing/2014/main" id="{F42620A3-29D0-1809-E7C3-E8233487E39F}"/>
+                <a16:creationId xmlns:a16="http://schemas.microsoft.com/office/drawing/2014/main" id="{3AAE106B-D1FA-46DB-79CC-B545576CCF58}"/>
               </a:ext>
             </a:extLst>
           </p:cNvPr>
@@ -33693,850 +33341,39 @@
           <a:bodyPr/>
           <a:lstStyle/>
           <a:p>
-            <a:r>
-              <a:rPr lang="en" altLang="zh-CN" dirty="0"/>
-              <a:t>Mistral</a:t>
-            </a:r>
-            <a:r>
-              <a:rPr lang="zh-CN" altLang="en-US" dirty="0"/>
-              <a:t> </a:t>
-            </a:r>
-            <a:r>
-              <a:rPr lang="en-US" altLang="zh-CN" dirty="0"/>
-              <a:t>AI</a:t>
-            </a:r>
-            <a:endParaRPr lang="zh-CN" altLang="en-US" dirty="0"/>
+            <a:endParaRPr kumimoji="1" lang="zh-CN" altLang="en-US"/>
           </a:p>
         </p:txBody>
       </p:sp>
-      <p:graphicFrame>
-        <p:nvGraphicFramePr>
-          <p:cNvPr id="4" name="内容占位符 3">
+      <p:sp>
+        <p:nvSpPr>
+          <p:cNvPr id="3" name="内容占位符 2">
             <a:extLst>
               <a:ext uri="{FF2B5EF4-FFF2-40B4-BE49-F238E27FC236}">
-                <a16:creationId xmlns:a16="http://schemas.microsoft.com/office/drawing/2014/main" id="{F23A3DDC-7F19-3043-7013-718E6EC827DA}"/>
+                <a16:creationId xmlns:a16="http://schemas.microsoft.com/office/drawing/2014/main" id="{6BC40CE0-98B1-56A4-94DE-AE50E839F5DB}"/>
               </a:ext>
             </a:extLst>
           </p:cNvPr>
-          <p:cNvGraphicFramePr>
-            <a:graphicFrameLocks noGrp="1"/>
-          </p:cNvGraphicFramePr>
+          <p:cNvSpPr>
+            <a:spLocks noGrp="1"/>
+          </p:cNvSpPr>
           <p:nvPr>
             <p:ph sz="half" idx="1"/>
-            <p:extLst>
-              <p:ext uri="{D42A27DB-BD31-4B8C-83A1-F6EECF244321}">
-                <p14:modId xmlns:p14="http://schemas.microsoft.com/office/powerpoint/2010/main" val="2268226940"/>
-              </p:ext>
-            </p:extLst>
           </p:nvPr>
-        </p:nvGraphicFramePr>
-        <p:xfrm>
-          <a:off x="623888" y="1246187"/>
-          <a:ext cx="10963273" cy="5089021"/>
-        </p:xfrm>
-        <a:graphic>
-          <a:graphicData uri="http://schemas.openxmlformats.org/drawingml/2006/table">
-            <a:tbl>
-              <a:tblPr>
-                <a:tableStyleId>{5940675A-B579-460E-94D1-54222C63F5DA}</a:tableStyleId>
-              </a:tblPr>
-              <a:tblGrid>
-                <a:gridCol w="1938559">
-                  <a:extLst>
-                    <a:ext uri="{9D8B030D-6E8A-4147-A177-3AD203B41FA5}">
-                      <a16:colId xmlns:a16="http://schemas.microsoft.com/office/drawing/2014/main" val="3189080782"/>
-                    </a:ext>
-                  </a:extLst>
-                </a:gridCol>
-                <a:gridCol w="4512357">
-                  <a:extLst>
-                    <a:ext uri="{9D8B030D-6E8A-4147-A177-3AD203B41FA5}">
-                      <a16:colId xmlns:a16="http://schemas.microsoft.com/office/drawing/2014/main" val="1634864293"/>
-                    </a:ext>
-                  </a:extLst>
-                </a:gridCol>
-                <a:gridCol w="4512357">
-                  <a:extLst>
-                    <a:ext uri="{9D8B030D-6E8A-4147-A177-3AD203B41FA5}">
-                      <a16:colId xmlns:a16="http://schemas.microsoft.com/office/drawing/2014/main" val="1463211323"/>
-                    </a:ext>
-                  </a:extLst>
-                </a:gridCol>
-              </a:tblGrid>
-              <a:tr h="454377">
-                <a:tc>
-                  <a:txBody>
-                    <a:bodyPr/>
-                    <a:lstStyle/>
-                    <a:p>
-                      <a:pPr algn="ctr"/>
-                      <a:r>
-                        <a:rPr lang="zh-CN" altLang="en-US" sz="1400" b="1" dirty="0">
-                          <a:solidFill>
-                            <a:schemeClr val="bg1"/>
-                          </a:solidFill>
-                          <a:effectLst/>
-                          <a:latin typeface="Lexend" pitchFamily="2" charset="0"/>
-                        </a:rPr>
-                        <a:t>特性</a:t>
-                      </a:r>
-                    </a:p>
-                  </a:txBody>
-                  <a:tcPr marL="59144" marR="59144" marT="29572" marB="29572" anchor="ctr">
-                    <a:solidFill>
-                      <a:srgbClr val="66BA36"/>
-                    </a:solidFill>
-                  </a:tcPr>
-                </a:tc>
-                <a:tc>
-                  <a:txBody>
-                    <a:bodyPr/>
-                    <a:lstStyle/>
-                    <a:p>
-                      <a:pPr algn="ctr"/>
-                      <a:r>
-                        <a:rPr lang="en" sz="1400" b="1" dirty="0">
-                          <a:solidFill>
-                            <a:schemeClr val="bg1"/>
-                          </a:solidFill>
-                          <a:effectLst/>
-                          <a:latin typeface="Lexend" pitchFamily="2" charset="0"/>
-                        </a:rPr>
-                        <a:t>Mixtral-8x22B</a:t>
-                      </a:r>
-                    </a:p>
-                  </a:txBody>
-                  <a:tcPr marL="59144" marR="59144" marT="29572" marB="29572" anchor="ctr">
-                    <a:solidFill>
-                      <a:srgbClr val="66BA36"/>
-                    </a:solidFill>
-                  </a:tcPr>
-                </a:tc>
-                <a:tc>
-                  <a:txBody>
-                    <a:bodyPr/>
-                    <a:lstStyle/>
-                    <a:p>
-                      <a:pPr algn="ctr"/>
-                      <a:r>
-                        <a:rPr lang="en" sz="1400" b="1" dirty="0">
-                          <a:solidFill>
-                            <a:schemeClr val="bg1"/>
-                          </a:solidFill>
-                          <a:effectLst/>
-                          <a:latin typeface="Lexend" pitchFamily="2" charset="0"/>
-                        </a:rPr>
-                        <a:t>Mixtral-8x7B</a:t>
-                      </a:r>
-                    </a:p>
-                  </a:txBody>
-                  <a:tcPr marL="59144" marR="59144" marT="29572" marB="29572" anchor="ctr">
-                    <a:solidFill>
-                      <a:srgbClr val="66BA36"/>
-                    </a:solidFill>
-                  </a:tcPr>
-                </a:tc>
-                <a:extLst>
-                  <a:ext uri="{0D108BD9-81ED-4DB2-BD59-A6C34878D82A}">
-                    <a16:rowId xmlns:a16="http://schemas.microsoft.com/office/drawing/2014/main" val="239872886"/>
-                  </a:ext>
-                </a:extLst>
-              </a:tr>
-              <a:tr h="662092">
-                <a:tc>
-                  <a:txBody>
-                    <a:bodyPr/>
-                    <a:lstStyle/>
-                    <a:p>
-                      <a:r>
-                        <a:rPr lang="zh-CN" altLang="en-US" sz="1200" b="1" dirty="0">
-                          <a:solidFill>
-                            <a:srgbClr val="1D1D1A"/>
-                          </a:solidFill>
-                          <a:effectLst/>
-                          <a:latin typeface="Lexend" pitchFamily="2" charset="0"/>
-                        </a:rPr>
-                        <a:t>总参数量</a:t>
-                      </a:r>
-                      <a:endParaRPr lang="zh-CN" altLang="en-US" sz="1200" dirty="0">
-                        <a:solidFill>
-                          <a:srgbClr val="1D1D1A"/>
-                        </a:solidFill>
-                        <a:effectLst/>
-                        <a:latin typeface="Lexend" pitchFamily="2" charset="0"/>
-                      </a:endParaRPr>
-                    </a:p>
-                  </a:txBody>
-                  <a:tcPr marL="59144" marR="59144" marT="29572" marB="29572" anchor="ctr"/>
-                </a:tc>
-                <a:tc>
-                  <a:txBody>
-                    <a:bodyPr/>
-                    <a:lstStyle/>
-                    <a:p>
-                      <a:r>
-                        <a:rPr lang="en-US" altLang="zh-CN" sz="1200" dirty="0">
-                          <a:solidFill>
-                            <a:srgbClr val="1D1D1A"/>
-                          </a:solidFill>
-                          <a:effectLst/>
-                          <a:latin typeface="Lexend" pitchFamily="2" charset="0"/>
-                        </a:rPr>
-                        <a:t>1760 </a:t>
-                      </a:r>
-                      <a:r>
-                        <a:rPr lang="zh-CN" altLang="en-US" sz="1200" dirty="0">
-                          <a:solidFill>
-                            <a:srgbClr val="1D1D1A"/>
-                          </a:solidFill>
-                          <a:effectLst/>
-                          <a:latin typeface="Lexend" pitchFamily="2" charset="0"/>
-                        </a:rPr>
-                        <a:t>亿参数</a:t>
-                      </a:r>
-                    </a:p>
-                  </a:txBody>
-                  <a:tcPr marL="59144" marR="59144" marT="29572" marB="29572" anchor="ctr"/>
-                </a:tc>
-                <a:tc>
-                  <a:txBody>
-                    <a:bodyPr/>
-                    <a:lstStyle/>
-                    <a:p>
-                      <a:r>
-                        <a:rPr lang="en-US" altLang="zh-CN" sz="1200" dirty="0">
-                          <a:solidFill>
-                            <a:srgbClr val="1D1D1A"/>
-                          </a:solidFill>
-                          <a:effectLst/>
-                          <a:latin typeface="Lexend" pitchFamily="2" charset="0"/>
-                        </a:rPr>
-                        <a:t>46.7 </a:t>
-                      </a:r>
-                      <a:r>
-                        <a:rPr lang="zh-CN" altLang="en-US" sz="1200" dirty="0">
-                          <a:solidFill>
-                            <a:srgbClr val="1D1D1A"/>
-                          </a:solidFill>
-                          <a:effectLst/>
-                          <a:latin typeface="Lexend" pitchFamily="2" charset="0"/>
-                        </a:rPr>
-                        <a:t>亿参数</a:t>
-                      </a:r>
-                    </a:p>
-                  </a:txBody>
-                  <a:tcPr marL="59144" marR="59144" marT="29572" marB="29572" anchor="ctr"/>
-                </a:tc>
-                <a:extLst>
-                  <a:ext uri="{0D108BD9-81ED-4DB2-BD59-A6C34878D82A}">
-                    <a16:rowId xmlns:a16="http://schemas.microsoft.com/office/drawing/2014/main" val="3541029580"/>
-                  </a:ext>
-                </a:extLst>
-              </a:tr>
-              <a:tr h="662092">
-                <a:tc>
-                  <a:txBody>
-                    <a:bodyPr/>
-                    <a:lstStyle/>
-                    <a:p>
-                      <a:r>
-                        <a:rPr lang="zh-CN" altLang="en-US" sz="1200" b="1" dirty="0">
-                          <a:solidFill>
-                            <a:srgbClr val="1D1D1A"/>
-                          </a:solidFill>
-                          <a:effectLst/>
-                          <a:latin typeface="Lexend" pitchFamily="2" charset="0"/>
-                        </a:rPr>
-                        <a:t>激活参数量</a:t>
-                      </a:r>
-                      <a:endParaRPr lang="zh-CN" altLang="en-US" sz="1200" dirty="0">
-                        <a:solidFill>
-                          <a:srgbClr val="1D1D1A"/>
-                        </a:solidFill>
-                        <a:effectLst/>
-                        <a:latin typeface="Lexend" pitchFamily="2" charset="0"/>
-                      </a:endParaRPr>
-                    </a:p>
-                  </a:txBody>
-                  <a:tcPr marL="59144" marR="59144" marT="29572" marB="29572" anchor="ctr"/>
-                </a:tc>
-                <a:tc>
-                  <a:txBody>
-                    <a:bodyPr/>
-                    <a:lstStyle/>
-                    <a:p>
-                      <a:r>
-                        <a:rPr lang="zh-CN" altLang="en-US" sz="1200" dirty="0">
-                          <a:solidFill>
-                            <a:srgbClr val="1D1D1A"/>
-                          </a:solidFill>
-                          <a:effectLst/>
-                          <a:latin typeface="Lexend" pitchFamily="2" charset="0"/>
-                        </a:rPr>
-                        <a:t>约 </a:t>
-                      </a:r>
-                      <a:r>
-                        <a:rPr lang="en-US" altLang="zh-CN" sz="1200" dirty="0">
-                          <a:solidFill>
-                            <a:srgbClr val="1D1D1A"/>
-                          </a:solidFill>
-                          <a:effectLst/>
-                          <a:latin typeface="Lexend" pitchFamily="2" charset="0"/>
-                        </a:rPr>
-                        <a:t>390 </a:t>
-                      </a:r>
-                      <a:r>
-                        <a:rPr lang="zh-CN" altLang="en-US" sz="1200" dirty="0">
-                          <a:solidFill>
-                            <a:srgbClr val="1D1D1A"/>
-                          </a:solidFill>
-                          <a:effectLst/>
-                          <a:latin typeface="Lexend" pitchFamily="2" charset="0"/>
-                        </a:rPr>
-                        <a:t>亿参数（稀疏激活）</a:t>
-                      </a:r>
-                    </a:p>
-                  </a:txBody>
-                  <a:tcPr marL="59144" marR="59144" marT="29572" marB="29572" anchor="ctr"/>
-                </a:tc>
-                <a:tc>
-                  <a:txBody>
-                    <a:bodyPr/>
-                    <a:lstStyle/>
-                    <a:p>
-                      <a:r>
-                        <a:rPr lang="zh-CN" altLang="en-US" sz="1200" dirty="0">
-                          <a:solidFill>
-                            <a:srgbClr val="1D1D1A"/>
-                          </a:solidFill>
-                          <a:effectLst/>
-                          <a:latin typeface="Lexend" pitchFamily="2" charset="0"/>
-                        </a:rPr>
-                        <a:t>约 </a:t>
-                      </a:r>
-                      <a:r>
-                        <a:rPr lang="en-US" altLang="zh-CN" sz="1200" dirty="0">
-                          <a:solidFill>
-                            <a:srgbClr val="1D1D1A"/>
-                          </a:solidFill>
-                          <a:effectLst/>
-                          <a:latin typeface="Lexend" pitchFamily="2" charset="0"/>
-                        </a:rPr>
-                        <a:t>12.9 </a:t>
-                      </a:r>
-                      <a:r>
-                        <a:rPr lang="zh-CN" altLang="en-US" sz="1200" dirty="0">
-                          <a:solidFill>
-                            <a:srgbClr val="1D1D1A"/>
-                          </a:solidFill>
-                          <a:effectLst/>
-                          <a:latin typeface="Lexend" pitchFamily="2" charset="0"/>
-                        </a:rPr>
-                        <a:t>亿参数（稀疏激活）</a:t>
-                      </a:r>
-                    </a:p>
-                  </a:txBody>
-                  <a:tcPr marL="59144" marR="59144" marT="29572" marB="29572" anchor="ctr"/>
-                </a:tc>
-                <a:extLst>
-                  <a:ext uri="{0D108BD9-81ED-4DB2-BD59-A6C34878D82A}">
-                    <a16:rowId xmlns:a16="http://schemas.microsoft.com/office/drawing/2014/main" val="3047878300"/>
-                  </a:ext>
-                </a:extLst>
-              </a:tr>
-              <a:tr h="662092">
-                <a:tc>
-                  <a:txBody>
-                    <a:bodyPr/>
-                    <a:lstStyle/>
-                    <a:p>
-                      <a:r>
-                        <a:rPr lang="zh-CN" altLang="en-US" sz="1200" b="1" dirty="0">
-                          <a:solidFill>
-                            <a:srgbClr val="1D1D1A"/>
-                          </a:solidFill>
-                          <a:effectLst/>
-                          <a:latin typeface="Lexend" pitchFamily="2" charset="0"/>
-                        </a:rPr>
-                        <a:t>专家数量</a:t>
-                      </a:r>
-                      <a:endParaRPr lang="zh-CN" altLang="en-US" sz="1200" dirty="0">
-                        <a:solidFill>
-                          <a:srgbClr val="1D1D1A"/>
-                        </a:solidFill>
-                        <a:effectLst/>
-                        <a:latin typeface="Lexend" pitchFamily="2" charset="0"/>
-                      </a:endParaRPr>
-                    </a:p>
-                  </a:txBody>
-                  <a:tcPr marL="59144" marR="59144" marT="29572" marB="29572" anchor="ctr"/>
-                </a:tc>
-                <a:tc>
-                  <a:txBody>
-                    <a:bodyPr/>
-                    <a:lstStyle/>
-                    <a:p>
-                      <a:r>
-                        <a:rPr lang="en-US" altLang="zh-CN" sz="1200" dirty="0">
-                          <a:solidFill>
-                            <a:srgbClr val="1D1D1A"/>
-                          </a:solidFill>
-                          <a:effectLst/>
-                          <a:latin typeface="Lexend" pitchFamily="2" charset="0"/>
-                        </a:rPr>
-                        <a:t>8 </a:t>
-                      </a:r>
-                      <a:r>
-                        <a:rPr lang="zh-CN" altLang="en-US" sz="1200" dirty="0">
-                          <a:solidFill>
-                            <a:srgbClr val="1D1D1A"/>
-                          </a:solidFill>
-                          <a:effectLst/>
-                          <a:latin typeface="Lexend" pitchFamily="2" charset="0"/>
-                        </a:rPr>
-                        <a:t>个专家，每个专家 </a:t>
-                      </a:r>
-                      <a:r>
-                        <a:rPr lang="en-US" altLang="zh-CN" sz="1200" dirty="0">
-                          <a:solidFill>
-                            <a:srgbClr val="1D1D1A"/>
-                          </a:solidFill>
-                          <a:effectLst/>
-                          <a:latin typeface="Lexend" pitchFamily="2" charset="0"/>
-                        </a:rPr>
-                        <a:t>220 </a:t>
-                      </a:r>
-                      <a:r>
-                        <a:rPr lang="zh-CN" altLang="en-US" sz="1200" dirty="0">
-                          <a:solidFill>
-                            <a:srgbClr val="1D1D1A"/>
-                          </a:solidFill>
-                          <a:effectLst/>
-                          <a:latin typeface="Lexend" pitchFamily="2" charset="0"/>
-                        </a:rPr>
-                        <a:t>亿参数</a:t>
-                      </a:r>
-                    </a:p>
-                  </a:txBody>
-                  <a:tcPr marL="59144" marR="59144" marT="29572" marB="29572" anchor="ctr"/>
-                </a:tc>
-                <a:tc>
-                  <a:txBody>
-                    <a:bodyPr/>
-                    <a:lstStyle/>
-                    <a:p>
-                      <a:r>
-                        <a:rPr lang="en-US" altLang="zh-CN" sz="1200" dirty="0">
-                          <a:solidFill>
-                            <a:srgbClr val="1D1D1A"/>
-                          </a:solidFill>
-                          <a:effectLst/>
-                          <a:latin typeface="Lexend" pitchFamily="2" charset="0"/>
-                        </a:rPr>
-                        <a:t>8 </a:t>
-                      </a:r>
-                      <a:r>
-                        <a:rPr lang="zh-CN" altLang="en-US" sz="1200" dirty="0">
-                          <a:solidFill>
-                            <a:srgbClr val="1D1D1A"/>
-                          </a:solidFill>
-                          <a:effectLst/>
-                          <a:latin typeface="Lexend" pitchFamily="2" charset="0"/>
-                        </a:rPr>
-                        <a:t>个专家，每个专家 </a:t>
-                      </a:r>
-                      <a:r>
-                        <a:rPr lang="en-US" altLang="zh-CN" sz="1200" dirty="0">
-                          <a:solidFill>
-                            <a:srgbClr val="1D1D1A"/>
-                          </a:solidFill>
-                          <a:effectLst/>
-                          <a:latin typeface="Lexend" pitchFamily="2" charset="0"/>
-                        </a:rPr>
-                        <a:t>7 </a:t>
-                      </a:r>
-                      <a:r>
-                        <a:rPr lang="zh-CN" altLang="en-US" sz="1200" dirty="0">
-                          <a:solidFill>
-                            <a:srgbClr val="1D1D1A"/>
-                          </a:solidFill>
-                          <a:effectLst/>
-                          <a:latin typeface="Lexend" pitchFamily="2" charset="0"/>
-                        </a:rPr>
-                        <a:t>亿参数</a:t>
-                      </a:r>
-                    </a:p>
-                  </a:txBody>
-                  <a:tcPr marL="59144" marR="59144" marT="29572" marB="29572" anchor="ctr"/>
-                </a:tc>
-                <a:extLst>
-                  <a:ext uri="{0D108BD9-81ED-4DB2-BD59-A6C34878D82A}">
-                    <a16:rowId xmlns:a16="http://schemas.microsoft.com/office/drawing/2014/main" val="2944117130"/>
-                  </a:ext>
-                </a:extLst>
-              </a:tr>
-              <a:tr h="662092">
-                <a:tc>
-                  <a:txBody>
-                    <a:bodyPr/>
-                    <a:lstStyle/>
-                    <a:p>
-                      <a:r>
-                        <a:rPr lang="zh-CN" altLang="en-US" sz="1200" b="1">
-                          <a:solidFill>
-                            <a:srgbClr val="1D1D1A"/>
-                          </a:solidFill>
-                          <a:effectLst/>
-                          <a:latin typeface="Lexend" pitchFamily="2" charset="0"/>
-                        </a:rPr>
-                        <a:t>上下文窗口</a:t>
-                      </a:r>
-                      <a:endParaRPr lang="zh-CN" altLang="en-US" sz="1200">
-                        <a:solidFill>
-                          <a:srgbClr val="1D1D1A"/>
-                        </a:solidFill>
-                        <a:effectLst/>
-                        <a:latin typeface="Lexend" pitchFamily="2" charset="0"/>
-                      </a:endParaRPr>
-                    </a:p>
-                  </a:txBody>
-                  <a:tcPr marL="59144" marR="59144" marT="29572" marB="29572" anchor="ctr"/>
-                </a:tc>
-                <a:tc>
-                  <a:txBody>
-                    <a:bodyPr/>
-                    <a:lstStyle/>
-                    <a:p>
-                      <a:r>
-                        <a:rPr lang="en" sz="1200" dirty="0">
-                          <a:solidFill>
-                            <a:srgbClr val="1D1D1A"/>
-                          </a:solidFill>
-                          <a:effectLst/>
-                          <a:latin typeface="Lexend" pitchFamily="2" charset="0"/>
-                        </a:rPr>
-                        <a:t>64K tokens</a:t>
-                      </a:r>
-                    </a:p>
-                  </a:txBody>
-                  <a:tcPr marL="59144" marR="59144" marT="29572" marB="29572" anchor="ctr"/>
-                </a:tc>
-                <a:tc>
-                  <a:txBody>
-                    <a:bodyPr/>
-                    <a:lstStyle/>
-                    <a:p>
-                      <a:r>
-                        <a:rPr lang="en" sz="1200" dirty="0">
-                          <a:solidFill>
-                            <a:srgbClr val="1D1D1A"/>
-                          </a:solidFill>
-                          <a:effectLst/>
-                          <a:latin typeface="Lexend" pitchFamily="2" charset="0"/>
-                        </a:rPr>
-                        <a:t>32K tokens</a:t>
-                      </a:r>
-                    </a:p>
-                  </a:txBody>
-                  <a:tcPr marL="59144" marR="59144" marT="29572" marB="29572" anchor="ctr"/>
-                </a:tc>
-                <a:extLst>
-                  <a:ext uri="{0D108BD9-81ED-4DB2-BD59-A6C34878D82A}">
-                    <a16:rowId xmlns:a16="http://schemas.microsoft.com/office/drawing/2014/main" val="1585547553"/>
-                  </a:ext>
-                </a:extLst>
-              </a:tr>
-              <a:tr h="662092">
-                <a:tc>
-                  <a:txBody>
-                    <a:bodyPr/>
-                    <a:lstStyle/>
-                    <a:p>
-                      <a:r>
-                        <a:rPr lang="zh-CN" altLang="en-US" sz="1200" b="1" dirty="0">
-                          <a:solidFill>
-                            <a:srgbClr val="1D1D1A"/>
-                          </a:solidFill>
-                          <a:effectLst/>
-                          <a:latin typeface="Lexend" pitchFamily="2" charset="0"/>
-                        </a:rPr>
-                        <a:t>多语言支持</a:t>
-                      </a:r>
-                      <a:endParaRPr lang="zh-CN" altLang="en-US" sz="1200" dirty="0">
-                        <a:solidFill>
-                          <a:srgbClr val="1D1D1A"/>
-                        </a:solidFill>
-                        <a:effectLst/>
-                        <a:latin typeface="Lexend" pitchFamily="2" charset="0"/>
-                      </a:endParaRPr>
-                    </a:p>
-                  </a:txBody>
-                  <a:tcPr marL="59144" marR="59144" marT="29572" marB="29572" anchor="ctr"/>
-                </a:tc>
-                <a:tc>
-                  <a:txBody>
-                    <a:bodyPr/>
-                    <a:lstStyle/>
-                    <a:p>
-                      <a:r>
-                        <a:rPr lang="zh-CN" altLang="en-US" sz="1200" dirty="0">
-                          <a:solidFill>
-                            <a:srgbClr val="1D1D1A"/>
-                          </a:solidFill>
-                          <a:effectLst/>
-                          <a:latin typeface="Lexend" pitchFamily="2" charset="0"/>
-                        </a:rPr>
-                        <a:t>英语、法语、意大利语、德语、西班牙语</a:t>
-                      </a:r>
-                    </a:p>
-                  </a:txBody>
-                  <a:tcPr marL="59144" marR="59144" marT="29572" marB="29572" anchor="ctr"/>
-                </a:tc>
-                <a:tc>
-                  <a:txBody>
-                    <a:bodyPr/>
-                    <a:lstStyle/>
-                    <a:p>
-                      <a:r>
-                        <a:rPr lang="zh-CN" altLang="en-US" sz="1200" dirty="0">
-                          <a:solidFill>
-                            <a:srgbClr val="1D1D1A"/>
-                          </a:solidFill>
-                          <a:effectLst/>
-                          <a:latin typeface="Lexend" pitchFamily="2" charset="0"/>
-                        </a:rPr>
-                        <a:t>英语、法语、意大利语、德语、西班牙语</a:t>
-                      </a:r>
-                    </a:p>
-                  </a:txBody>
-                  <a:tcPr marL="59144" marR="59144" marT="29572" marB="29572" anchor="ctr"/>
-                </a:tc>
-                <a:extLst>
-                  <a:ext uri="{0D108BD9-81ED-4DB2-BD59-A6C34878D82A}">
-                    <a16:rowId xmlns:a16="http://schemas.microsoft.com/office/drawing/2014/main" val="990447908"/>
-                  </a:ext>
-                </a:extLst>
-              </a:tr>
-              <a:tr h="662092">
-                <a:tc>
-                  <a:txBody>
-                    <a:bodyPr/>
-                    <a:lstStyle/>
-                    <a:p>
-                      <a:r>
-                        <a:rPr lang="zh-CN" altLang="en-US" sz="1200" b="1">
-                          <a:solidFill>
-                            <a:srgbClr val="1D1D1A"/>
-                          </a:solidFill>
-                          <a:effectLst/>
-                          <a:latin typeface="Lexend" pitchFamily="2" charset="0"/>
-                        </a:rPr>
-                        <a:t>推理效率</a:t>
-                      </a:r>
-                      <a:endParaRPr lang="zh-CN" altLang="en-US" sz="1200">
-                        <a:solidFill>
-                          <a:srgbClr val="1D1D1A"/>
-                        </a:solidFill>
-                        <a:effectLst/>
-                        <a:latin typeface="Lexend" pitchFamily="2" charset="0"/>
-                      </a:endParaRPr>
-                    </a:p>
-                  </a:txBody>
-                  <a:tcPr marL="59144" marR="59144" marT="29572" marB="29572" anchor="ctr"/>
-                </a:tc>
-                <a:tc>
-                  <a:txBody>
-                    <a:bodyPr/>
-                    <a:lstStyle/>
-                    <a:p>
-                      <a:r>
-                        <a:rPr lang="zh-CN" altLang="en-US" sz="1200" dirty="0">
-                          <a:solidFill>
-                            <a:srgbClr val="1D1D1A"/>
-                          </a:solidFill>
-                          <a:effectLst/>
-                          <a:latin typeface="Lexend" pitchFamily="2" charset="0"/>
-                        </a:rPr>
-                        <a:t>比密集 </a:t>
-                      </a:r>
-                      <a:r>
-                        <a:rPr lang="en-US" altLang="zh-CN" sz="1200" dirty="0">
-                          <a:solidFill>
-                            <a:srgbClr val="1D1D1A"/>
-                          </a:solidFill>
-                          <a:effectLst/>
-                          <a:latin typeface="Lexend" pitchFamily="2" charset="0"/>
-                        </a:rPr>
-                        <a:t>70</a:t>
-                      </a:r>
-                      <a:r>
-                        <a:rPr lang="en" sz="1200" dirty="0">
-                          <a:solidFill>
-                            <a:srgbClr val="1D1D1A"/>
-                          </a:solidFill>
-                          <a:effectLst/>
-                          <a:latin typeface="Lexend" pitchFamily="2" charset="0"/>
-                        </a:rPr>
-                        <a:t>B </a:t>
-                      </a:r>
-                      <a:r>
-                        <a:rPr lang="zh-CN" altLang="en-US" sz="1200" dirty="0">
-                          <a:solidFill>
-                            <a:srgbClr val="1D1D1A"/>
-                          </a:solidFill>
-                          <a:effectLst/>
-                          <a:latin typeface="Lexend" pitchFamily="2" charset="0"/>
-                        </a:rPr>
-                        <a:t>模型更快，成本效率更高</a:t>
-                      </a:r>
-                    </a:p>
-                  </a:txBody>
-                  <a:tcPr marL="59144" marR="59144" marT="29572" marB="29572" anchor="ctr"/>
-                </a:tc>
-                <a:tc>
-                  <a:txBody>
-                    <a:bodyPr/>
-                    <a:lstStyle/>
-                    <a:p>
-                      <a:r>
-                        <a:rPr lang="zh-CN" altLang="en-US" sz="1200" dirty="0">
-                          <a:solidFill>
-                            <a:srgbClr val="1D1D1A"/>
-                          </a:solidFill>
-                          <a:effectLst/>
-                          <a:latin typeface="Lexend" pitchFamily="2" charset="0"/>
-                        </a:rPr>
-                        <a:t>推理速度比 </a:t>
-                      </a:r>
-                      <a:r>
-                        <a:rPr lang="en" sz="1200" dirty="0">
-                          <a:solidFill>
-                            <a:srgbClr val="1D1D1A"/>
-                          </a:solidFill>
-                          <a:effectLst/>
-                          <a:latin typeface="Lexend" pitchFamily="2" charset="0"/>
-                        </a:rPr>
-                        <a:t>Llama 2 70B </a:t>
-                      </a:r>
-                      <a:r>
-                        <a:rPr lang="zh-CN" altLang="en-US" sz="1200" dirty="0">
-                          <a:solidFill>
-                            <a:srgbClr val="1D1D1A"/>
-                          </a:solidFill>
-                          <a:effectLst/>
-                          <a:latin typeface="Lexend" pitchFamily="2" charset="0"/>
-                        </a:rPr>
-                        <a:t>快 </a:t>
-                      </a:r>
-                      <a:r>
-                        <a:rPr lang="en-US" altLang="zh-CN" sz="1200" dirty="0">
-                          <a:solidFill>
-                            <a:srgbClr val="1D1D1A"/>
-                          </a:solidFill>
-                          <a:effectLst/>
-                          <a:latin typeface="Lexend" pitchFamily="2" charset="0"/>
-                        </a:rPr>
-                        <a:t>6 </a:t>
-                      </a:r>
-                      <a:r>
-                        <a:rPr lang="zh-CN" altLang="en-US" sz="1200" dirty="0">
-                          <a:solidFill>
-                            <a:srgbClr val="1D1D1A"/>
-                          </a:solidFill>
-                          <a:effectLst/>
-                          <a:latin typeface="Lexend" pitchFamily="2" charset="0"/>
-                        </a:rPr>
-                        <a:t>倍</a:t>
-                      </a:r>
-                    </a:p>
-                  </a:txBody>
-                  <a:tcPr marL="59144" marR="59144" marT="29572" marB="29572" anchor="ctr"/>
-                </a:tc>
-                <a:extLst>
-                  <a:ext uri="{0D108BD9-81ED-4DB2-BD59-A6C34878D82A}">
-                    <a16:rowId xmlns:a16="http://schemas.microsoft.com/office/drawing/2014/main" val="2408197307"/>
-                  </a:ext>
-                </a:extLst>
-              </a:tr>
-              <a:tr h="662092">
-                <a:tc>
-                  <a:txBody>
-                    <a:bodyPr/>
-                    <a:lstStyle/>
-                    <a:p>
-                      <a:r>
-                        <a:rPr lang="zh-CN" altLang="en-US" sz="1200" b="1">
-                          <a:solidFill>
-                            <a:srgbClr val="1D1D1A"/>
-                          </a:solidFill>
-                          <a:effectLst/>
-                          <a:latin typeface="Lexend" pitchFamily="2" charset="0"/>
-                        </a:rPr>
-                        <a:t>开源许可</a:t>
-                      </a:r>
-                      <a:endParaRPr lang="zh-CN" altLang="en-US" sz="1200">
-                        <a:solidFill>
-                          <a:srgbClr val="1D1D1A"/>
-                        </a:solidFill>
-                        <a:effectLst/>
-                        <a:latin typeface="Lexend" pitchFamily="2" charset="0"/>
-                      </a:endParaRPr>
-                    </a:p>
-                  </a:txBody>
-                  <a:tcPr marL="59144" marR="59144" marT="29572" marB="29572" anchor="ctr"/>
-                </a:tc>
-                <a:tc>
-                  <a:txBody>
-                    <a:bodyPr/>
-                    <a:lstStyle/>
-                    <a:p>
-                      <a:r>
-                        <a:rPr lang="en" sz="1200" dirty="0">
-                          <a:solidFill>
-                            <a:srgbClr val="1D1D1A"/>
-                          </a:solidFill>
-                          <a:effectLst/>
-                          <a:latin typeface="Lexend" pitchFamily="2" charset="0"/>
-                        </a:rPr>
-                        <a:t>Apache 2.0</a:t>
-                      </a:r>
-                    </a:p>
-                  </a:txBody>
-                  <a:tcPr marL="59144" marR="59144" marT="29572" marB="29572" anchor="ctr"/>
-                </a:tc>
-                <a:tc>
-                  <a:txBody>
-                    <a:bodyPr/>
-                    <a:lstStyle/>
-                    <a:p>
-                      <a:r>
-                        <a:rPr lang="en" sz="1200" dirty="0">
-                          <a:solidFill>
-                            <a:srgbClr val="1D1D1A"/>
-                          </a:solidFill>
-                          <a:effectLst/>
-                          <a:latin typeface="Lexend" pitchFamily="2" charset="0"/>
-                        </a:rPr>
-                        <a:t>Apache 2.0</a:t>
-                      </a:r>
-                    </a:p>
-                  </a:txBody>
-                  <a:tcPr marL="59144" marR="59144" marT="29572" marB="29572" anchor="ctr"/>
-                </a:tc>
-                <a:extLst>
-                  <a:ext uri="{0D108BD9-81ED-4DB2-BD59-A6C34878D82A}">
-                    <a16:rowId xmlns:a16="http://schemas.microsoft.com/office/drawing/2014/main" val="2082034214"/>
-                  </a:ext>
-                </a:extLst>
-              </a:tr>
-            </a:tbl>
-          </a:graphicData>
-        </a:graphic>
-      </p:graphicFrame>
+        </p:nvSpPr>
+        <p:spPr/>
+        <p:txBody>
+          <a:bodyPr/>
+          <a:lstStyle/>
+          <a:p>
+            <a:endParaRPr kumimoji="1" lang="zh-CN" altLang="en-US"/>
+          </a:p>
+        </p:txBody>
+      </p:sp>
     </p:spTree>
     <p:extLst>
       <p:ext uri="{BB962C8B-B14F-4D97-AF65-F5344CB8AC3E}">
-        <p14:creationId xmlns:p14="http://schemas.microsoft.com/office/powerpoint/2010/main" val="2398730899"/>
+        <p14:creationId xmlns:p14="http://schemas.microsoft.com/office/powerpoint/2010/main" val="1912460828"/>
       </p:ext>
     </p:extLst>
   </p:cSld>
@@ -34674,12 +33511,20 @@
           <a:p>
             <a:pPr algn="ctr"/>
             <a:r>
+              <a:rPr lang="zh-CN" altLang="en-US" sz="9600" b="1" dirty="0">
+                <a:solidFill>
+                  <a:schemeClr val="bg1"/>
+                </a:solidFill>
+              </a:rPr>
+              <a:t>单机八卡版 </a:t>
+            </a:r>
+            <a:r>
               <a:rPr lang="en-US" altLang="zh-CN" sz="9600" b="1" dirty="0">
                 <a:solidFill>
                   <a:schemeClr val="bg1"/>
                 </a:solidFill>
               </a:rPr>
-              <a:t>Grok-1/2/3</a:t>
+              <a:t>MoE</a:t>
             </a:r>
           </a:p>
         </p:txBody>
@@ -34716,10 +33561,10 @@
       </p:grpSpPr>
       <p:sp>
         <p:nvSpPr>
-          <p:cNvPr id="3" name="标题 2">
+          <p:cNvPr id="2" name="标题 1">
             <a:extLst>
               <a:ext uri="{FF2B5EF4-FFF2-40B4-BE49-F238E27FC236}">
-                <a16:creationId xmlns:a16="http://schemas.microsoft.com/office/drawing/2014/main" id="{DB7F2752-6498-9AAD-B9AC-1161CA86893F}"/>
+                <a16:creationId xmlns:a16="http://schemas.microsoft.com/office/drawing/2014/main" id="{DB235BF5-9FB3-3FB8-342A-92F601BEB7AA}"/>
               </a:ext>
             </a:extLst>
           </p:cNvPr>
@@ -34730,30 +33575,21 @@
             <p:ph type="title"/>
           </p:nvPr>
         </p:nvSpPr>
-        <p:spPr>
-          <a:xfrm>
-            <a:off x="623635" y="522789"/>
-            <a:ext cx="10963473" cy="589190"/>
-          </a:xfrm>
-        </p:spPr>
+        <p:spPr/>
         <p:txBody>
           <a:bodyPr/>
           <a:lstStyle/>
           <a:p>
-            <a:r>
-              <a:rPr lang="en-US" altLang="zh-CN" dirty="0"/>
-              <a:t>Question</a:t>
-            </a:r>
-            <a:endParaRPr lang="zh-CN" altLang="en-US" dirty="0"/>
+            <a:endParaRPr kumimoji="1" lang="zh-CN" altLang="en-US"/>
           </a:p>
         </p:txBody>
       </p:sp>
       <p:sp>
         <p:nvSpPr>
-          <p:cNvPr id="4" name="内容占位符 3">
+          <p:cNvPr id="3" name="内容占位符 2">
             <a:extLst>
               <a:ext uri="{FF2B5EF4-FFF2-40B4-BE49-F238E27FC236}">
-                <a16:creationId xmlns:a16="http://schemas.microsoft.com/office/drawing/2014/main" id="{EE1D70D2-0547-6FEA-BC62-9086F7D3CFBF}"/>
+                <a16:creationId xmlns:a16="http://schemas.microsoft.com/office/drawing/2014/main" id="{3DBC72A6-2AC2-D7D9-24D4-AF38A260728A}"/>
               </a:ext>
             </a:extLst>
           </p:cNvPr>
@@ -34764,162 +33600,19 @@
             <p:ph sz="half" idx="1"/>
           </p:nvPr>
         </p:nvSpPr>
-        <p:spPr>
-          <a:xfrm>
-            <a:off x="623635" y="1246909"/>
-            <a:ext cx="10963473" cy="5108171"/>
-          </a:xfrm>
-        </p:spPr>
+        <p:spPr/>
         <p:txBody>
           <a:bodyPr/>
           <a:lstStyle/>
           <a:p>
-            <a:r>
-              <a:rPr lang="zh-CN" altLang="en-US" dirty="0"/>
-              <a:t>马斯克 的 </a:t>
-            </a:r>
-            <a:r>
-              <a:rPr lang="en-US" altLang="zh-CN" dirty="0"/>
-              <a:t>XA1</a:t>
-            </a:r>
-            <a:r>
-              <a:rPr lang="zh-CN" altLang="en-US" dirty="0"/>
-              <a:t> 使用 </a:t>
-            </a:r>
-            <a:r>
-              <a:rPr lang="en-US" altLang="zh-CN" dirty="0"/>
-              <a:t>20</a:t>
-            </a:r>
-            <a:r>
-              <a:rPr lang="zh-CN" altLang="en-US" dirty="0"/>
-              <a:t> 万张 </a:t>
-            </a:r>
-            <a:r>
-              <a:rPr lang="en-US" altLang="zh-CN" dirty="0"/>
-              <a:t>GPU</a:t>
-            </a:r>
-            <a:r>
-              <a:rPr lang="zh-CN" altLang="en-US" dirty="0"/>
-              <a:t> 训练的 </a:t>
-            </a:r>
-            <a:r>
-              <a:rPr lang="en-US" altLang="zh-CN" dirty="0"/>
-              <a:t>Grok 3</a:t>
-            </a:r>
-            <a:r>
-              <a:rPr lang="zh-CN" altLang="en-US" dirty="0"/>
-              <a:t>：略强于 </a:t>
-            </a:r>
-            <a:r>
-              <a:rPr lang="en-US" altLang="zh-CN" dirty="0" err="1"/>
-              <a:t>Deepseek</a:t>
-            </a:r>
-            <a:r>
-              <a:rPr lang="zh-CN" altLang="en-US"/>
-              <a:t>？</a:t>
-            </a:r>
-            <a:endParaRPr lang="en-US" altLang="zh-CN" dirty="0"/>
-          </a:p>
-          <a:p>
-            <a:r>
-              <a:rPr lang="en" altLang="zh-CN" dirty="0" err="1"/>
-              <a:t>xAI</a:t>
-            </a:r>
-            <a:r>
-              <a:rPr lang="en" altLang="zh-CN" dirty="0"/>
-              <a:t> </a:t>
-            </a:r>
-            <a:r>
-              <a:rPr lang="zh-CN" altLang="en-US" dirty="0"/>
-              <a:t>用了</a:t>
-            </a:r>
-            <a:r>
-              <a:rPr lang="en-US" altLang="zh-CN" dirty="0"/>
-              <a:t>122 </a:t>
-            </a:r>
-            <a:r>
-              <a:rPr lang="zh-CN" altLang="en-US" dirty="0"/>
-              <a:t>天让首批</a:t>
-            </a:r>
-            <a:r>
-              <a:rPr lang="en-US" altLang="zh-CN" dirty="0"/>
-              <a:t>10 </a:t>
-            </a:r>
-            <a:r>
-              <a:rPr lang="zh-CN" altLang="en-US" dirty="0"/>
-              <a:t>万卡集群投入使用，后续又花费 </a:t>
-            </a:r>
-            <a:r>
-              <a:rPr lang="en-US" altLang="zh-CN" dirty="0"/>
-              <a:t>92 </a:t>
-            </a:r>
-            <a:r>
-              <a:rPr lang="zh-CN" altLang="en-US" dirty="0"/>
-              <a:t>天拓展到 </a:t>
-            </a:r>
-            <a:r>
-              <a:rPr lang="en-US" altLang="zh-CN" dirty="0"/>
-              <a:t>20 </a:t>
-            </a:r>
-            <a:r>
-              <a:rPr lang="zh-CN" altLang="en-US" dirty="0"/>
-              <a:t>万卡集群</a:t>
-            </a:r>
-            <a:endParaRPr lang="en-US" altLang="zh-CN" dirty="0"/>
+            <a:endParaRPr kumimoji="1" lang="zh-CN" altLang="en-US"/>
           </a:p>
         </p:txBody>
       </p:sp>
-      <p:pic>
-        <p:nvPicPr>
-          <p:cNvPr id="5" name="Picture 2" descr="思考表情包图片-思考表情包模板下载-包图网">
-            <a:extLst>
-              <a:ext uri="{FF2B5EF4-FFF2-40B4-BE49-F238E27FC236}">
-                <a16:creationId xmlns:a16="http://schemas.microsoft.com/office/drawing/2014/main" id="{599504BB-0BCB-870A-53BF-022A67310507}"/>
-              </a:ext>
-            </a:extLst>
-          </p:cNvPr>
-          <p:cNvPicPr>
-            <a:picLocks noChangeAspect="1" noChangeArrowheads="1"/>
-          </p:cNvPicPr>
-          <p:nvPr/>
-        </p:nvPicPr>
-        <p:blipFill>
-          <a:blip r:embed="rId2">
-            <a:extLst>
-              <a:ext uri="{28A0092B-C50C-407E-A947-70E740481C1C}">
-                <a14:useLocalDpi xmlns:a14="http://schemas.microsoft.com/office/drawing/2010/main"/>
-              </a:ext>
-            </a:extLst>
-          </a:blip>
-          <a:srcRect/>
-          <a:stretch>
-            <a:fillRect/>
-          </a:stretch>
-        </p:blipFill>
-        <p:spPr bwMode="auto">
-          <a:xfrm>
-            <a:off x="9287838" y="3963343"/>
-            <a:ext cx="2299270" cy="2299270"/>
-          </a:xfrm>
-          <a:prstGeom prst="rect">
-            <a:avLst/>
-          </a:prstGeom>
-          <a:noFill/>
-          <a:extLst>
-            <a:ext uri="{909E8E84-426E-40DD-AFC4-6F175D3DCCD1}">
-              <a14:hiddenFill xmlns:a14="http://schemas.microsoft.com/office/drawing/2010/main">
-                <a:solidFill>
-                  <a:srgbClr val="FFFFFF"/>
-                </a:solidFill>
-              </a14:hiddenFill>
-            </a:ext>
-          </a:extLst>
-        </p:spPr>
-      </p:pic>
     </p:spTree>
     <p:extLst>
       <p:ext uri="{BB962C8B-B14F-4D97-AF65-F5344CB8AC3E}">
-        <p14:creationId xmlns:p14="http://schemas.microsoft.com/office/powerpoint/2010/main" val="751480682"/>
+        <p14:creationId xmlns:p14="http://schemas.microsoft.com/office/powerpoint/2010/main" val="4013756371"/>
       </p:ext>
     </p:extLst>
   </p:cSld>
@@ -35061,14 +33754,18 @@
                 <a:solidFill>
                   <a:schemeClr val="bg1"/>
                 </a:solidFill>
-              </a:rPr>
-              <a:t>DeepSeek</a:t>
+                <a:latin typeface="Futura-Medium" panose="020B0602020204020303" pitchFamily="34" charset="-79"/>
+                <a:cs typeface="Futura-Medium" panose="020B0602020204020303" pitchFamily="34" charset="-79"/>
+              </a:rPr>
+              <a:t>Profiling</a:t>
             </a:r>
             <a:r>
               <a:rPr lang="zh-CN" altLang="en-US" sz="9600" b="1" dirty="0">
                 <a:solidFill>
                   <a:schemeClr val="bg1"/>
                 </a:solidFill>
+                <a:latin typeface="Futura-Medium" panose="020B0602020204020303" pitchFamily="34" charset="-79"/>
+                <a:cs typeface="Futura-Medium" panose="020B0602020204020303" pitchFamily="34" charset="-79"/>
               </a:rPr>
               <a:t> </a:t>
             </a:r>
@@ -35077,8 +33774,10 @@
                 <a:solidFill>
                   <a:schemeClr val="bg1"/>
                 </a:solidFill>
-              </a:rPr>
-              <a:t>1/2/3</a:t>
+                <a:latin typeface="Futura-Medium" panose="020B0602020204020303" pitchFamily="34" charset="-79"/>
+                <a:cs typeface="Futura-Medium" panose="020B0602020204020303" pitchFamily="34" charset="-79"/>
+              </a:rPr>
+              <a:t>MoE</a:t>
             </a:r>
           </a:p>
         </p:txBody>
@@ -35115,10 +33814,10 @@
       </p:grpSpPr>
       <p:sp>
         <p:nvSpPr>
-          <p:cNvPr id="4" name="标题 3">
+          <p:cNvPr id="3" name="标题 2">
             <a:extLst>
               <a:ext uri="{FF2B5EF4-FFF2-40B4-BE49-F238E27FC236}">
-                <a16:creationId xmlns:a16="http://schemas.microsoft.com/office/drawing/2014/main" id="{EA922841-DE5C-8EED-3CF8-DAEC0993502B}"/>
+                <a16:creationId xmlns:a16="http://schemas.microsoft.com/office/drawing/2014/main" id="{0653A425-F185-D44A-DE1D-5F8364A4EB9B}"/>
               </a:ext>
             </a:extLst>
           </p:cNvPr>
@@ -35129,30 +33828,21 @@
             <p:ph type="title"/>
           </p:nvPr>
         </p:nvSpPr>
-        <p:spPr>
-          <a:xfrm>
-            <a:off x="623635" y="522789"/>
-            <a:ext cx="10963473" cy="589190"/>
-          </a:xfrm>
-        </p:spPr>
+        <p:spPr/>
         <p:txBody>
           <a:bodyPr/>
           <a:lstStyle/>
           <a:p>
-            <a:r>
-              <a:rPr lang="en-US" altLang="zh-CN" dirty="0"/>
-              <a:t>DeepSeek</a:t>
-            </a:r>
-            <a:endParaRPr lang="zh-CN" altLang="en-US" dirty="0"/>
+            <a:endParaRPr lang="zh-CN" altLang="en-US"/>
           </a:p>
         </p:txBody>
       </p:sp>
       <p:sp>
         <p:nvSpPr>
-          <p:cNvPr id="5" name="内容占位符 4">
+          <p:cNvPr id="4" name="内容占位符 3">
             <a:extLst>
               <a:ext uri="{FF2B5EF4-FFF2-40B4-BE49-F238E27FC236}">
-                <a16:creationId xmlns:a16="http://schemas.microsoft.com/office/drawing/2014/main" id="{CCA52D5B-D6C7-2762-8C73-51F743399C11}"/>
+                <a16:creationId xmlns:a16="http://schemas.microsoft.com/office/drawing/2014/main" id="{D6AF4854-312A-87C3-E779-A69081045A03}"/>
               </a:ext>
             </a:extLst>
           </p:cNvPr>
@@ -35163,110 +33853,19 @@
             <p:ph sz="half" idx="1"/>
           </p:nvPr>
         </p:nvSpPr>
-        <p:spPr>
-          <a:xfrm>
-            <a:off x="623635" y="1246909"/>
-            <a:ext cx="10963473" cy="5108171"/>
-          </a:xfrm>
-        </p:spPr>
+        <p:spPr/>
         <p:txBody>
           <a:bodyPr/>
           <a:lstStyle/>
           <a:p>
-            <a:r>
-              <a:rPr lang="en" altLang="zh-CN" dirty="0"/>
-              <a:t>DeepSeek</a:t>
-            </a:r>
-            <a:r>
-              <a:rPr lang="zh-CN" altLang="en" dirty="0"/>
-              <a:t>（</a:t>
-            </a:r>
-            <a:r>
-              <a:rPr lang="zh-CN" altLang="en-US" dirty="0"/>
-              <a:t>深度求索）是一家成立于</a:t>
-            </a:r>
-            <a:r>
-              <a:rPr lang="en-US" altLang="zh-CN" dirty="0"/>
-              <a:t>2023</a:t>
-            </a:r>
-            <a:r>
-              <a:rPr lang="zh-CN" altLang="en-US" dirty="0"/>
-              <a:t>年的中国人工智能公司，由量化私募巨头幻方量化创立。公司专注于开发高性能、低成本的大语言模型（</a:t>
-            </a:r>
-            <a:r>
-              <a:rPr lang="en" altLang="zh-CN" dirty="0"/>
-              <a:t>LLM</a:t>
-            </a:r>
-            <a:r>
-              <a:rPr lang="zh-CN" altLang="en" dirty="0"/>
-              <a:t>），</a:t>
-            </a:r>
-            <a:r>
-              <a:rPr lang="zh-CN" altLang="en-US" dirty="0"/>
-              <a:t>致力于推动通用人工智能（</a:t>
-            </a:r>
-            <a:r>
-              <a:rPr lang="en" altLang="zh-CN" dirty="0"/>
-              <a:t>AGI</a:t>
-            </a:r>
-            <a:r>
-              <a:rPr lang="zh-CN" altLang="en" dirty="0"/>
-              <a:t>）</a:t>
-            </a:r>
-            <a:r>
-              <a:rPr lang="zh-CN" altLang="en-US" dirty="0"/>
-              <a:t>的发展。</a:t>
-            </a:r>
-            <a:endParaRPr lang="en-US" altLang="zh-CN" dirty="0"/>
-          </a:p>
-          <a:p>
-            <a:r>
-              <a:rPr lang="en" altLang="zh-CN" dirty="0"/>
-              <a:t>DeepSeek </a:t>
-            </a:r>
-            <a:r>
-              <a:rPr lang="zh-CN" altLang="en-US" dirty="0"/>
-              <a:t>的独特之处在于其“基础研究</a:t>
-            </a:r>
-            <a:r>
-              <a:rPr lang="en-US" altLang="zh-CN" dirty="0"/>
-              <a:t>-</a:t>
-            </a:r>
-            <a:r>
-              <a:rPr lang="zh-CN" altLang="en-US" dirty="0"/>
-              <a:t>技术转化</a:t>
-            </a:r>
-            <a:r>
-              <a:rPr lang="en-US" altLang="zh-CN" dirty="0"/>
-              <a:t>-</a:t>
-            </a:r>
-            <a:r>
-              <a:rPr lang="zh-CN" altLang="en-US" dirty="0"/>
-              <a:t>产业应用”三位一体的发展模式，以及通过量化投资业务为</a:t>
-            </a:r>
-            <a:r>
-              <a:rPr lang="en" altLang="zh-CN" dirty="0"/>
-              <a:t>AI</a:t>
-            </a:r>
-            <a:r>
-              <a:rPr lang="zh-CN" altLang="en-US" dirty="0"/>
-              <a:t>研发提供持续资金支持的“以战养战”策略。公司不仅在技术上实现了多项突破，还通过开源策略和低成本训练模式，推动了</a:t>
-            </a:r>
-            <a:r>
-              <a:rPr lang="en" altLang="zh-CN" dirty="0"/>
-              <a:t>AI</a:t>
-            </a:r>
-            <a:r>
-              <a:rPr lang="zh-CN" altLang="en-US" dirty="0"/>
-              <a:t>技术的普惠化。</a:t>
-            </a:r>
+            <a:endParaRPr lang="zh-CN" altLang="en-US"/>
           </a:p>
         </p:txBody>
       </p:sp>
     </p:spTree>
     <p:extLst>
       <p:ext uri="{BB962C8B-B14F-4D97-AF65-F5344CB8AC3E}">
-        <p14:creationId xmlns:p14="http://schemas.microsoft.com/office/powerpoint/2010/main" val="2304819791"/>
+        <p14:creationId xmlns:p14="http://schemas.microsoft.com/office/powerpoint/2010/main" val="1763565833"/>
       </p:ext>
     </p:extLst>
   </p:cSld>

--- a/06AlgoData/02MoE/11MOECode.pptx
+++ b/06AlgoData/02MoE/11MOECode.pptx
@@ -9,10 +9,10 @@
     <p:sldMasterId id="2147483683" r:id="rId5"/>
   </p:sldMasterIdLst>
   <p:notesMasterIdLst>
-    <p:notesMasterId r:id="rId17"/>
+    <p:notesMasterId r:id="rId18"/>
   </p:notesMasterIdLst>
   <p:handoutMasterIdLst>
-    <p:handoutMasterId r:id="rId18"/>
+    <p:handoutMasterId r:id="rId19"/>
   </p:handoutMasterIdLst>
   <p:sldIdLst>
     <p:sldId id="603" r:id="rId6"/>
@@ -24,8 +24,9 @@
     <p:sldId id="2511" r:id="rId12"/>
     <p:sldId id="2469" r:id="rId13"/>
     <p:sldId id="2512" r:id="rId14"/>
-    <p:sldId id="582" r:id="rId15"/>
-    <p:sldId id="2419" r:id="rId16"/>
+    <p:sldId id="2513" r:id="rId15"/>
+    <p:sldId id="582" r:id="rId16"/>
+    <p:sldId id="2419" r:id="rId17"/>
   </p:sldIdLst>
   <p:sldSz cx="12196763" cy="6858000"/>
   <p:notesSz cx="6858000" cy="9144000"/>
@@ -32330,6 +32331,130 @@
           <a:chExt cx="0" cy="0"/>
         </a:xfrm>
       </p:grpSpPr>
+      <p:sp>
+        <p:nvSpPr>
+          <p:cNvPr id="3" name="标题 2">
+            <a:extLst>
+              <a:ext uri="{FF2B5EF4-FFF2-40B4-BE49-F238E27FC236}">
+                <a16:creationId xmlns:a16="http://schemas.microsoft.com/office/drawing/2014/main" id="{0653A425-F185-D44A-DE1D-5F8364A4EB9B}"/>
+              </a:ext>
+            </a:extLst>
+          </p:cNvPr>
+          <p:cNvSpPr>
+            <a:spLocks noGrp="1"/>
+          </p:cNvSpPr>
+          <p:nvPr>
+            <p:ph type="title"/>
+          </p:nvPr>
+        </p:nvSpPr>
+        <p:spPr/>
+        <p:txBody>
+          <a:bodyPr/>
+          <a:lstStyle/>
+          <a:p>
+            <a:r>
+              <a:rPr lang="en" altLang="zh-CN" dirty="0"/>
+              <a:t>Ascend</a:t>
+            </a:r>
+            <a:r>
+              <a:rPr lang="zh-CN" altLang="en-US" dirty="0"/>
+              <a:t> </a:t>
+            </a:r>
+            <a:r>
+              <a:rPr lang="en" altLang="zh-CN" dirty="0" err="1"/>
+              <a:t>MindStudio</a:t>
+            </a:r>
+            <a:endParaRPr lang="zh-CN" altLang="en-US" dirty="0"/>
+          </a:p>
+        </p:txBody>
+      </p:sp>
+      <p:pic>
+        <p:nvPicPr>
+          <p:cNvPr id="2050" name="Picture 2" descr="MindStudio概述">
+            <a:extLst>
+              <a:ext uri="{FF2B5EF4-FFF2-40B4-BE49-F238E27FC236}">
+                <a16:creationId xmlns:a16="http://schemas.microsoft.com/office/drawing/2014/main" id="{0C3657B9-E5B9-C71E-C388-4831E29EA00D}"/>
+              </a:ext>
+            </a:extLst>
+          </p:cNvPr>
+          <p:cNvPicPr>
+            <a:picLocks noChangeAspect="1" noChangeArrowheads="1"/>
+          </p:cNvPicPr>
+          <p:nvPr/>
+        </p:nvPicPr>
+        <p:blipFill rotWithShape="1">
+          <a:blip r:embed="rId2">
+            <a:extLst>
+              <a:ext uri="{28A0092B-C50C-407E-A947-70E740481C1C}">
+                <a14:useLocalDpi xmlns:a14="http://schemas.microsoft.com/office/drawing/2010/main" val="0"/>
+              </a:ext>
+            </a:extLst>
+          </a:blip>
+          <a:srcRect b="16252"/>
+          <a:stretch/>
+        </p:blipFill>
+        <p:spPr bwMode="auto">
+          <a:xfrm>
+            <a:off x="1087084" y="1134257"/>
+            <a:ext cx="10022594" cy="5200954"/>
+          </a:xfrm>
+          <a:prstGeom prst="rect">
+            <a:avLst/>
+          </a:prstGeom>
+          <a:noFill/>
+          <a:extLst>
+            <a:ext uri="{909E8E84-426E-40DD-AFC4-6F175D3DCCD1}">
+              <a14:hiddenFill xmlns:a14="http://schemas.microsoft.com/office/drawing/2010/main">
+                <a:solidFill>
+                  <a:srgbClr val="FFFFFF"/>
+                </a:solidFill>
+              </a14:hiddenFill>
+            </a:ext>
+          </a:extLst>
+        </p:spPr>
+      </p:pic>
+    </p:spTree>
+    <p:extLst>
+      <p:ext uri="{BB962C8B-B14F-4D97-AF65-F5344CB8AC3E}">
+        <p14:creationId xmlns:p14="http://schemas.microsoft.com/office/powerpoint/2010/main" val="2711891030"/>
+      </p:ext>
+    </p:extLst>
+  </p:cSld>
+  <p:clrMapOvr>
+    <a:masterClrMapping/>
+  </p:clrMapOvr>
+  <mc:AlternateContent xmlns:mc="http://schemas.openxmlformats.org/markup-compatibility/2006" xmlns:p159="http://schemas.microsoft.com/office/powerpoint/2015/09/main">
+    <mc:Choice Requires="p159">
+      <p:transition xmlns:p14="http://schemas.microsoft.com/office/powerpoint/2010/main" spd="slow" p14:dur="2000">
+        <p159:morph option="byObject"/>
+      </p:transition>
+    </mc:Choice>
+    <mc:Fallback xmlns="">
+      <p:transition spd="slow">
+        <p:fade/>
+      </p:transition>
+    </mc:Fallback>
+  </mc:AlternateContent>
+</p:sld>
+</file>
+
+<file path=ppt/slides/slide11.xml><?xml version="1.0" encoding="utf-8"?>
+<p:sld xmlns:a="http://schemas.openxmlformats.org/drawingml/2006/main" xmlns:r="http://schemas.openxmlformats.org/officeDocument/2006/relationships" xmlns:p="http://schemas.openxmlformats.org/presentationml/2006/main">
+  <p:cSld>
+    <p:spTree>
+      <p:nvGrpSpPr>
+        <p:cNvPr id="1" name=""/>
+        <p:cNvGrpSpPr/>
+        <p:nvPr/>
+      </p:nvGrpSpPr>
+      <p:grpSpPr>
+        <a:xfrm>
+          <a:off x="0" y="0"/>
+          <a:ext cx="0" cy="0"/>
+          <a:chOff x="0" y="0"/>
+          <a:chExt cx="0" cy="0"/>
+        </a:xfrm>
+      </p:grpSpPr>
     </p:spTree>
     <p:extLst>
       <p:ext uri="{BB962C8B-B14F-4D97-AF65-F5344CB8AC3E}">
@@ -32355,7 +32480,7 @@
 </p:sld>
 </file>
 
-<file path=ppt/slides/slide11.xml><?xml version="1.0" encoding="utf-8"?>
+<file path=ppt/slides/slide12.xml><?xml version="1.0" encoding="utf-8"?>
 <p:sld xmlns:a="http://schemas.openxmlformats.org/drawingml/2006/main" xmlns:r="http://schemas.openxmlformats.org/officeDocument/2006/relationships" xmlns:p="http://schemas.openxmlformats.org/presentationml/2006/main">
   <p:cSld>
     <p:spTree>
@@ -33833,35 +33958,69 @@
           <a:bodyPr/>
           <a:lstStyle/>
           <a:p>
-            <a:endParaRPr lang="zh-CN" altLang="en-US"/>
+            <a:r>
+              <a:rPr lang="en" altLang="zh-CN" dirty="0"/>
+              <a:t>NVIDIA </a:t>
+            </a:r>
+            <a:r>
+              <a:rPr lang="en" altLang="zh-CN" dirty="0" err="1"/>
+              <a:t>Nsight</a:t>
+            </a:r>
+            <a:r>
+              <a:rPr lang="en" altLang="zh-CN" dirty="0"/>
+              <a:t> Systems</a:t>
+            </a:r>
+            <a:endParaRPr lang="zh-CN" altLang="en-US" dirty="0"/>
           </a:p>
         </p:txBody>
       </p:sp>
-      <p:sp>
-        <p:nvSpPr>
-          <p:cNvPr id="4" name="内容占位符 3">
+      <p:pic>
+        <p:nvPicPr>
+          <p:cNvPr id="1026" name="Picture 2" descr="Nsight Systems | NVIDIA Developer">
             <a:extLst>
               <a:ext uri="{FF2B5EF4-FFF2-40B4-BE49-F238E27FC236}">
-                <a16:creationId xmlns:a16="http://schemas.microsoft.com/office/drawing/2014/main" id="{D6AF4854-312A-87C3-E779-A69081045A03}"/>
+                <a16:creationId xmlns:a16="http://schemas.microsoft.com/office/drawing/2014/main" id="{9E74B8DF-7D9D-2182-764D-FBA75820FD68}"/>
               </a:ext>
             </a:extLst>
           </p:cNvPr>
-          <p:cNvSpPr>
-            <a:spLocks noGrp="1"/>
-          </p:cNvSpPr>
-          <p:nvPr>
-            <p:ph sz="half" idx="1"/>
-          </p:nvPr>
-        </p:nvSpPr>
-        <p:spPr/>
-        <p:txBody>
-          <a:bodyPr/>
-          <a:lstStyle/>
-          <a:p>
-            <a:endParaRPr lang="zh-CN" altLang="en-US"/>
-          </a:p>
-        </p:txBody>
-      </p:sp>
+          <p:cNvPicPr>
+            <a:picLocks noChangeAspect="1" noChangeArrowheads="1"/>
+          </p:cNvPicPr>
+          <p:nvPr/>
+        </p:nvPicPr>
+        <p:blipFill>
+          <a:blip r:embed="rId2">
+            <a:extLst>
+              <a:ext uri="{28A0092B-C50C-407E-A947-70E740481C1C}">
+                <a14:useLocalDpi xmlns:a14="http://schemas.microsoft.com/office/drawing/2010/main" val="0"/>
+              </a:ext>
+            </a:extLst>
+          </a:blip>
+          <a:srcRect/>
+          <a:stretch>
+            <a:fillRect/>
+          </a:stretch>
+        </p:blipFill>
+        <p:spPr bwMode="auto">
+          <a:xfrm>
+            <a:off x="1188089" y="1246909"/>
+            <a:ext cx="9834563" cy="5163689"/>
+          </a:xfrm>
+          <a:prstGeom prst="rect">
+            <a:avLst/>
+          </a:prstGeom>
+          <a:noFill/>
+          <a:extLst>
+            <a:ext uri="{909E8E84-426E-40DD-AFC4-6F175D3DCCD1}">
+              <a14:hiddenFill xmlns:a14="http://schemas.microsoft.com/office/drawing/2010/main">
+                <a:solidFill>
+                  <a:srgbClr val="FFFFFF"/>
+                </a:solidFill>
+              </a14:hiddenFill>
+            </a:ext>
+          </a:extLst>
+        </p:spPr>
+      </p:pic>
     </p:spTree>
     <p:extLst>
       <p:ext uri="{BB962C8B-B14F-4D97-AF65-F5344CB8AC3E}">
